--- a/ppt/picts.pptx
+++ b/ppt/picts.pptx
@@ -270,7 +270,7 @@
           <a:p>
             <a:fld id="{DD0BC91C-971B-4C49-A88D-E411ECFBE05C}" type="datetimeFigureOut">
               <a:rPr lang="en-ID" smtClean="0"/>
-              <a:t>12/12/2023</a:t>
+              <a:t>08/01/2024</a:t>
             </a:fld>
             <a:endParaRPr lang="en-ID"/>
           </a:p>
@@ -470,7 +470,7 @@
           <a:p>
             <a:fld id="{DD0BC91C-971B-4C49-A88D-E411ECFBE05C}" type="datetimeFigureOut">
               <a:rPr lang="en-ID" smtClean="0"/>
-              <a:t>12/12/2023</a:t>
+              <a:t>08/01/2024</a:t>
             </a:fld>
             <a:endParaRPr lang="en-ID"/>
           </a:p>
@@ -680,7 +680,7 @@
           <a:p>
             <a:fld id="{DD0BC91C-971B-4C49-A88D-E411ECFBE05C}" type="datetimeFigureOut">
               <a:rPr lang="en-ID" smtClean="0"/>
-              <a:t>12/12/2023</a:t>
+              <a:t>08/01/2024</a:t>
             </a:fld>
             <a:endParaRPr lang="en-ID"/>
           </a:p>
@@ -880,7 +880,7 @@
           <a:p>
             <a:fld id="{DD0BC91C-971B-4C49-A88D-E411ECFBE05C}" type="datetimeFigureOut">
               <a:rPr lang="en-ID" smtClean="0"/>
-              <a:t>12/12/2023</a:t>
+              <a:t>08/01/2024</a:t>
             </a:fld>
             <a:endParaRPr lang="en-ID"/>
           </a:p>
@@ -1156,7 +1156,7 @@
           <a:p>
             <a:fld id="{DD0BC91C-971B-4C49-A88D-E411ECFBE05C}" type="datetimeFigureOut">
               <a:rPr lang="en-ID" smtClean="0"/>
-              <a:t>12/12/2023</a:t>
+              <a:t>08/01/2024</a:t>
             </a:fld>
             <a:endParaRPr lang="en-ID"/>
           </a:p>
@@ -1424,7 +1424,7 @@
           <a:p>
             <a:fld id="{DD0BC91C-971B-4C49-A88D-E411ECFBE05C}" type="datetimeFigureOut">
               <a:rPr lang="en-ID" smtClean="0"/>
-              <a:t>12/12/2023</a:t>
+              <a:t>08/01/2024</a:t>
             </a:fld>
             <a:endParaRPr lang="en-ID"/>
           </a:p>
@@ -1839,7 +1839,7 @@
           <a:p>
             <a:fld id="{DD0BC91C-971B-4C49-A88D-E411ECFBE05C}" type="datetimeFigureOut">
               <a:rPr lang="en-ID" smtClean="0"/>
-              <a:t>12/12/2023</a:t>
+              <a:t>08/01/2024</a:t>
             </a:fld>
             <a:endParaRPr lang="en-ID"/>
           </a:p>
@@ -1981,7 +1981,7 @@
           <a:p>
             <a:fld id="{DD0BC91C-971B-4C49-A88D-E411ECFBE05C}" type="datetimeFigureOut">
               <a:rPr lang="en-ID" smtClean="0"/>
-              <a:t>12/12/2023</a:t>
+              <a:t>08/01/2024</a:t>
             </a:fld>
             <a:endParaRPr lang="en-ID"/>
           </a:p>
@@ -2094,7 +2094,7 @@
           <a:p>
             <a:fld id="{DD0BC91C-971B-4C49-A88D-E411ECFBE05C}" type="datetimeFigureOut">
               <a:rPr lang="en-ID" smtClean="0"/>
-              <a:t>12/12/2023</a:t>
+              <a:t>08/01/2024</a:t>
             </a:fld>
             <a:endParaRPr lang="en-ID"/>
           </a:p>
@@ -2407,7 +2407,7 @@
           <a:p>
             <a:fld id="{DD0BC91C-971B-4C49-A88D-E411ECFBE05C}" type="datetimeFigureOut">
               <a:rPr lang="en-ID" smtClean="0"/>
-              <a:t>12/12/2023</a:t>
+              <a:t>08/01/2024</a:t>
             </a:fld>
             <a:endParaRPr lang="en-ID"/>
           </a:p>
@@ -2696,7 +2696,7 @@
           <a:p>
             <a:fld id="{DD0BC91C-971B-4C49-A88D-E411ECFBE05C}" type="datetimeFigureOut">
               <a:rPr lang="en-ID" smtClean="0"/>
-              <a:t>12/12/2023</a:t>
+              <a:t>08/01/2024</a:t>
             </a:fld>
             <a:endParaRPr lang="en-ID"/>
           </a:p>
@@ -2939,7 +2939,7 @@
           <a:p>
             <a:fld id="{DD0BC91C-971B-4C49-A88D-E411ECFBE05C}" type="datetimeFigureOut">
               <a:rPr lang="en-ID" smtClean="0"/>
-              <a:t>12/12/2023</a:t>
+              <a:t>08/01/2024</a:t>
             </a:fld>
             <a:endParaRPr lang="en-ID"/>
           </a:p>
@@ -3578,8 +3578,8 @@
           </a:p>
         </p:txBody>
       </p:sp>
-      <mc:AlternateContent xmlns:mc="http://schemas.openxmlformats.org/markup-compatibility/2006">
-        <mc:Choice xmlns:a14="http://schemas.microsoft.com/office/drawing/2010/main" Requires="a14">
+      <mc:AlternateContent xmlns:mc="http://schemas.openxmlformats.org/markup-compatibility/2006" xmlns:a14="http://schemas.microsoft.com/office/drawing/2010/main">
+        <mc:Choice Requires="a14">
           <p:sp>
             <p:nvSpPr>
               <p:cNvPr id="42" name="TextBox 41">
@@ -3670,7 +3670,7 @@
             </p:txBody>
           </p:sp>
         </mc:Choice>
-        <mc:Fallback>
+        <mc:Fallback xmlns="">
           <p:sp>
             <p:nvSpPr>
               <p:cNvPr id="42" name="TextBox 41">
@@ -3776,7 +3776,7 @@
                                 <a:rPr lang="en-US" sz="2000" b="0" i="1" smtClean="0">
                                   <a:latin typeface="Cambria Math" panose="02040503050406030204" pitchFamily="18" charset="0"/>
                                 </a:rPr>
-                                <m:t>𝛼</m:t>
+                                <m:t>𝛽</m:t>
                               </m:r>
                             </m:e>
                           </m:d>
@@ -3824,7 +3824,7 @@
               <a:blipFill>
                 <a:blip r:embed="rId3"/>
                 <a:stretch>
-                  <a:fillRect/>
+                  <a:fillRect b="-13636"/>
                 </a:stretch>
               </a:blipFill>
             </p:spPr>
@@ -3887,8 +3887,8 @@
           </a:fontRef>
         </p:style>
       </p:cxnSp>
-      <mc:AlternateContent xmlns:mc="http://schemas.openxmlformats.org/markup-compatibility/2006" xmlns:a14="http://schemas.microsoft.com/office/drawing/2010/main">
-        <mc:Choice Requires="a14">
+      <mc:AlternateContent xmlns:mc="http://schemas.openxmlformats.org/markup-compatibility/2006">
+        <mc:Choice xmlns:a14="http://schemas.microsoft.com/office/drawing/2010/main" Requires="a14">
           <p:sp>
             <p:nvSpPr>
               <p:cNvPr id="44" name="TextBox 43">
@@ -3948,7 +3948,7 @@
                                 <a:rPr lang="en-US" sz="2000" b="0" i="1" smtClean="0">
                                   <a:latin typeface="Cambria Math" panose="02040503050406030204" pitchFamily="18" charset="0"/>
                                 </a:rPr>
-                                <m:t>𝛼</m:t>
+                                <m:t>𝛽</m:t>
                               </m:r>
                             </m:e>
                           </m:d>
@@ -3970,7 +3970,7 @@
             </p:txBody>
           </p:sp>
         </mc:Choice>
-        <mc:Fallback xmlns="">
+        <mc:Fallback>
           <p:sp>
             <p:nvSpPr>
               <p:cNvPr id="44" name="TextBox 43">
@@ -3996,7 +3996,7 @@
               <a:blipFill>
                 <a:blip r:embed="rId4"/>
                 <a:stretch>
-                  <a:fillRect/>
+                  <a:fillRect b="-13636"/>
                 </a:stretch>
               </a:blipFill>
             </p:spPr>
@@ -4015,8 +4015,8 @@
           </p:sp>
         </mc:Fallback>
       </mc:AlternateContent>
-      <mc:AlternateContent xmlns:mc="http://schemas.openxmlformats.org/markup-compatibility/2006" xmlns:a14="http://schemas.microsoft.com/office/drawing/2010/main">
-        <mc:Choice Requires="a14">
+      <mc:AlternateContent xmlns:mc="http://schemas.openxmlformats.org/markup-compatibility/2006">
+        <mc:Choice xmlns:a14="http://schemas.microsoft.com/office/drawing/2010/main" Requires="a14">
           <p:sp>
             <p:nvSpPr>
               <p:cNvPr id="45" name="TextBox 44">
@@ -4076,7 +4076,7 @@
                                 <a:rPr lang="en-US" sz="2000" b="0" i="1" smtClean="0">
                                   <a:latin typeface="Cambria Math" panose="02040503050406030204" pitchFamily="18" charset="0"/>
                                 </a:rPr>
-                                <m:t>𝛼</m:t>
+                                <m:t>𝛽</m:t>
                               </m:r>
                             </m:e>
                           </m:d>
@@ -4098,7 +4098,7 @@
             </p:txBody>
           </p:sp>
         </mc:Choice>
-        <mc:Fallback xmlns="">
+        <mc:Fallback>
           <p:sp>
             <p:nvSpPr>
               <p:cNvPr id="45" name="TextBox 44">
@@ -4124,7 +4124,7 @@
               <a:blipFill>
                 <a:blip r:embed="rId5"/>
                 <a:stretch>
-                  <a:fillRect/>
+                  <a:fillRect b="-13636"/>
                 </a:stretch>
               </a:blipFill>
             </p:spPr>
@@ -4204,7 +4204,7 @@
                                 <a:rPr lang="en-US" sz="2000" b="0" i="1" smtClean="0">
                                   <a:latin typeface="Cambria Math" panose="02040503050406030204" pitchFamily="18" charset="0"/>
                                 </a:rPr>
-                                <m:t>𝛼</m:t>
+                                <m:t>𝛽</m:t>
                               </m:r>
                             </m:e>
                           </m:d>
@@ -4252,7 +4252,7 @@
               <a:blipFill>
                 <a:blip r:embed="rId6"/>
                 <a:stretch>
-                  <a:fillRect b="-1538"/>
+                  <a:fillRect b="-15385"/>
                 </a:stretch>
               </a:blipFill>
             </p:spPr>
@@ -4466,8 +4466,8 @@
           </a:p>
         </p:txBody>
       </p:sp>
-      <mc:AlternateContent xmlns:mc="http://schemas.openxmlformats.org/markup-compatibility/2006" xmlns:a14="http://schemas.microsoft.com/office/drawing/2010/main">
-        <mc:Choice Requires="a14">
+      <mc:AlternateContent xmlns:mc="http://schemas.openxmlformats.org/markup-compatibility/2006">
+        <mc:Choice xmlns:a14="http://schemas.microsoft.com/office/drawing/2010/main" Requires="a14">
           <p:sp>
             <p:nvSpPr>
               <p:cNvPr id="52" name="TextBox 51">
@@ -4527,7 +4527,7 @@
                                 <a:rPr lang="en-US" sz="2000" b="0" i="1" smtClean="0">
                                   <a:latin typeface="Cambria Math" panose="02040503050406030204" pitchFamily="18" charset="0"/>
                                 </a:rPr>
-                                <m:t>𝛼</m:t>
+                                <m:t>𝛽</m:t>
                               </m:r>
                             </m:e>
                           </m:d>
@@ -4549,7 +4549,7 @@
             </p:txBody>
           </p:sp>
         </mc:Choice>
-        <mc:Fallback xmlns="">
+        <mc:Fallback>
           <p:sp>
             <p:nvSpPr>
               <p:cNvPr id="52" name="TextBox 51">
@@ -4575,7 +4575,7 @@
               <a:blipFill>
                 <a:blip r:embed="rId7"/>
                 <a:stretch>
-                  <a:fillRect/>
+                  <a:fillRect b="-13636"/>
                 </a:stretch>
               </a:blipFill>
             </p:spPr>
@@ -4594,8 +4594,8 @@
           </p:sp>
         </mc:Fallback>
       </mc:AlternateContent>
-      <mc:AlternateContent xmlns:mc="http://schemas.openxmlformats.org/markup-compatibility/2006" xmlns:a14="http://schemas.microsoft.com/office/drawing/2010/main">
-        <mc:Choice Requires="a14">
+      <mc:AlternateContent xmlns:mc="http://schemas.openxmlformats.org/markup-compatibility/2006">
+        <mc:Choice xmlns:a14="http://schemas.microsoft.com/office/drawing/2010/main" Requires="a14">
           <p:sp>
             <p:nvSpPr>
               <p:cNvPr id="56" name="TextBox 55">
@@ -4655,7 +4655,7 @@
                             <a:rPr lang="en-US" sz="2000" b="0" i="1" smtClean="0">
                               <a:latin typeface="Cambria Math" panose="02040503050406030204" pitchFamily="18" charset="0"/>
                             </a:rPr>
-                            <m:t>𝛼</m:t>
+                            <m:t>𝛽</m:t>
                           </m:r>
                         </m:e>
                       </m:d>
@@ -4667,7 +4667,7 @@
             </p:txBody>
           </p:sp>
         </mc:Choice>
-        <mc:Fallback xmlns="">
+        <mc:Fallback>
           <p:sp>
             <p:nvSpPr>
               <p:cNvPr id="56" name="TextBox 55">
@@ -4693,7 +4693,7 @@
               <a:blipFill>
                 <a:blip r:embed="rId8"/>
                 <a:stretch>
-                  <a:fillRect/>
+                  <a:fillRect b="-13636"/>
                 </a:stretch>
               </a:blipFill>
             </p:spPr>
